--- a/poster.pptx
+++ b/poster.pptx
@@ -165,7 +165,7 @@
           </a:lstStyle>
           <a:p>
             <a:r>
-              <a:rPr lang="en-US" smtClean="0"/>
+              <a:rPr lang="en-US"/>
               <a:t>Click to edit Master title style</a:t>
             </a:r>
             <a:endParaRPr lang="en-US" dirty="0"/>
@@ -230,7 +230,7 @@
           </a:lstStyle>
           <a:p>
             <a:r>
-              <a:rPr lang="en-US" smtClean="0"/>
+              <a:rPr lang="en-US"/>
               <a:t>Click to edit Master subtitle style</a:t>
             </a:r>
             <a:endParaRPr lang="en-US" dirty="0"/>
@@ -296,7 +296,7 @@
           <a:p>
             <a:fld id="{46C16CC2-1EB0-4866-BFAD-BC251D8F6603}" type="slidenum">
               <a:rPr lang="bg-BG" smtClean="0"/>
-              <a:t>‹#›</a:t>
+              <a:t>‹Nr.›</a:t>
             </a:fld>
             <a:endParaRPr lang="bg-BG"/>
           </a:p>
@@ -348,7 +348,7 @@
           <a:lstStyle/>
           <a:p>
             <a:r>
-              <a:rPr lang="en-US" smtClean="0"/>
+              <a:rPr lang="en-US"/>
               <a:t>Click to edit Master title style</a:t>
             </a:r>
             <a:endParaRPr lang="en-US" dirty="0"/>
@@ -372,35 +372,35 @@
           <a:p>
             <a:pPr lvl="0"/>
             <a:r>
-              <a:rPr lang="en-US" smtClean="0"/>
+              <a:rPr lang="en-US"/>
               <a:t>Edit Master text styles</a:t>
             </a:r>
           </a:p>
           <a:p>
             <a:pPr lvl="1"/>
             <a:r>
-              <a:rPr lang="en-US" smtClean="0"/>
+              <a:rPr lang="en-US"/>
               <a:t>Second level</a:t>
             </a:r>
           </a:p>
           <a:p>
             <a:pPr lvl="2"/>
             <a:r>
-              <a:rPr lang="en-US" smtClean="0"/>
+              <a:rPr lang="en-US"/>
               <a:t>Third level</a:t>
             </a:r>
           </a:p>
           <a:p>
             <a:pPr lvl="3"/>
             <a:r>
-              <a:rPr lang="en-US" smtClean="0"/>
+              <a:rPr lang="en-US"/>
               <a:t>Fourth level</a:t>
             </a:r>
           </a:p>
           <a:p>
             <a:pPr lvl="4"/>
             <a:r>
-              <a:rPr lang="en-US" smtClean="0"/>
+              <a:rPr lang="en-US"/>
               <a:t>Fifth level</a:t>
             </a:r>
             <a:endParaRPr lang="en-US" dirty="0"/>
@@ -466,7 +466,7 @@
           <a:p>
             <a:fld id="{46C16CC2-1EB0-4866-BFAD-BC251D8F6603}" type="slidenum">
               <a:rPr lang="bg-BG" smtClean="0"/>
-              <a:t>‹#›</a:t>
+              <a:t>‹Nr.›</a:t>
             </a:fld>
             <a:endParaRPr lang="bg-BG"/>
           </a:p>
@@ -523,7 +523,7 @@
           <a:lstStyle/>
           <a:p>
             <a:r>
-              <a:rPr lang="en-US" smtClean="0"/>
+              <a:rPr lang="en-US"/>
               <a:t>Click to edit Master title style</a:t>
             </a:r>
             <a:endParaRPr lang="en-US" dirty="0"/>
@@ -552,35 +552,35 @@
           <a:p>
             <a:pPr lvl="0"/>
             <a:r>
-              <a:rPr lang="en-US" smtClean="0"/>
+              <a:rPr lang="en-US"/>
               <a:t>Edit Master text styles</a:t>
             </a:r>
           </a:p>
           <a:p>
             <a:pPr lvl="1"/>
             <a:r>
-              <a:rPr lang="en-US" smtClean="0"/>
+              <a:rPr lang="en-US"/>
               <a:t>Second level</a:t>
             </a:r>
           </a:p>
           <a:p>
             <a:pPr lvl="2"/>
             <a:r>
-              <a:rPr lang="en-US" smtClean="0"/>
+              <a:rPr lang="en-US"/>
               <a:t>Third level</a:t>
             </a:r>
           </a:p>
           <a:p>
             <a:pPr lvl="3"/>
             <a:r>
-              <a:rPr lang="en-US" smtClean="0"/>
+              <a:rPr lang="en-US"/>
               <a:t>Fourth level</a:t>
             </a:r>
           </a:p>
           <a:p>
             <a:pPr lvl="4"/>
             <a:r>
-              <a:rPr lang="en-US" smtClean="0"/>
+              <a:rPr lang="en-US"/>
               <a:t>Fifth level</a:t>
             </a:r>
             <a:endParaRPr lang="en-US" dirty="0"/>
@@ -646,7 +646,7 @@
           <a:p>
             <a:fld id="{46C16CC2-1EB0-4866-BFAD-BC251D8F6603}" type="slidenum">
               <a:rPr lang="bg-BG" smtClean="0"/>
-              <a:t>‹#›</a:t>
+              <a:t>‹Nr.›</a:t>
             </a:fld>
             <a:endParaRPr lang="bg-BG"/>
           </a:p>
@@ -698,7 +698,7 @@
           <a:lstStyle/>
           <a:p>
             <a:r>
-              <a:rPr lang="en-US" smtClean="0"/>
+              <a:rPr lang="en-US"/>
               <a:t>Click to edit Master title style</a:t>
             </a:r>
             <a:endParaRPr lang="en-US" dirty="0"/>
@@ -722,35 +722,35 @@
           <a:p>
             <a:pPr lvl="0"/>
             <a:r>
-              <a:rPr lang="en-US" smtClean="0"/>
+              <a:rPr lang="en-US"/>
               <a:t>Edit Master text styles</a:t>
             </a:r>
           </a:p>
           <a:p>
             <a:pPr lvl="1"/>
             <a:r>
-              <a:rPr lang="en-US" smtClean="0"/>
+              <a:rPr lang="en-US"/>
               <a:t>Second level</a:t>
             </a:r>
           </a:p>
           <a:p>
             <a:pPr lvl="2"/>
             <a:r>
-              <a:rPr lang="en-US" smtClean="0"/>
+              <a:rPr lang="en-US"/>
               <a:t>Third level</a:t>
             </a:r>
           </a:p>
           <a:p>
             <a:pPr lvl="3"/>
             <a:r>
-              <a:rPr lang="en-US" smtClean="0"/>
+              <a:rPr lang="en-US"/>
               <a:t>Fourth level</a:t>
             </a:r>
           </a:p>
           <a:p>
             <a:pPr lvl="4"/>
             <a:r>
-              <a:rPr lang="en-US" smtClean="0"/>
+              <a:rPr lang="en-US"/>
               <a:t>Fifth level</a:t>
             </a:r>
             <a:endParaRPr lang="en-US" dirty="0"/>
@@ -816,7 +816,7 @@
           <a:p>
             <a:fld id="{46C16CC2-1EB0-4866-BFAD-BC251D8F6603}" type="slidenum">
               <a:rPr lang="bg-BG" smtClean="0"/>
-              <a:t>‹#›</a:t>
+              <a:t>‹Nr.›</a:t>
             </a:fld>
             <a:endParaRPr lang="bg-BG"/>
           </a:p>
@@ -877,7 +877,7 @@
           </a:lstStyle>
           <a:p>
             <a:r>
-              <a:rPr lang="en-US" smtClean="0"/>
+              <a:rPr lang="en-US"/>
               <a:t>Click to edit Master title style</a:t>
             </a:r>
             <a:endParaRPr lang="en-US" dirty="0"/>
@@ -995,7 +995,7 @@
           <a:p>
             <a:pPr lvl="0"/>
             <a:r>
-              <a:rPr lang="en-US" smtClean="0"/>
+              <a:rPr lang="en-US"/>
               <a:t>Edit Master text styles</a:t>
             </a:r>
           </a:p>
@@ -1060,7 +1060,7 @@
           <a:p>
             <a:fld id="{46C16CC2-1EB0-4866-BFAD-BC251D8F6603}" type="slidenum">
               <a:rPr lang="bg-BG" smtClean="0"/>
-              <a:t>‹#›</a:t>
+              <a:t>‹Nr.›</a:t>
             </a:fld>
             <a:endParaRPr lang="bg-BG"/>
           </a:p>
@@ -1112,7 +1112,7 @@
           <a:lstStyle/>
           <a:p>
             <a:r>
-              <a:rPr lang="en-US" smtClean="0"/>
+              <a:rPr lang="en-US"/>
               <a:t>Click to edit Master title style</a:t>
             </a:r>
             <a:endParaRPr lang="en-US" dirty="0"/>
@@ -1141,35 +1141,35 @@
           <a:p>
             <a:pPr lvl="0"/>
             <a:r>
-              <a:rPr lang="en-US" smtClean="0"/>
+              <a:rPr lang="en-US"/>
               <a:t>Edit Master text styles</a:t>
             </a:r>
           </a:p>
           <a:p>
             <a:pPr lvl="1"/>
             <a:r>
-              <a:rPr lang="en-US" smtClean="0"/>
+              <a:rPr lang="en-US"/>
               <a:t>Second level</a:t>
             </a:r>
           </a:p>
           <a:p>
             <a:pPr lvl="2"/>
             <a:r>
-              <a:rPr lang="en-US" smtClean="0"/>
+              <a:rPr lang="en-US"/>
               <a:t>Third level</a:t>
             </a:r>
           </a:p>
           <a:p>
             <a:pPr lvl="3"/>
             <a:r>
-              <a:rPr lang="en-US" smtClean="0"/>
+              <a:rPr lang="en-US"/>
               <a:t>Fourth level</a:t>
             </a:r>
           </a:p>
           <a:p>
             <a:pPr lvl="4"/>
             <a:r>
-              <a:rPr lang="en-US" smtClean="0"/>
+              <a:rPr lang="en-US"/>
               <a:t>Fifth level</a:t>
             </a:r>
             <a:endParaRPr lang="en-US" dirty="0"/>
@@ -1198,35 +1198,35 @@
           <a:p>
             <a:pPr lvl="0"/>
             <a:r>
-              <a:rPr lang="en-US" smtClean="0"/>
+              <a:rPr lang="en-US"/>
               <a:t>Edit Master text styles</a:t>
             </a:r>
           </a:p>
           <a:p>
             <a:pPr lvl="1"/>
             <a:r>
-              <a:rPr lang="en-US" smtClean="0"/>
+              <a:rPr lang="en-US"/>
               <a:t>Second level</a:t>
             </a:r>
           </a:p>
           <a:p>
             <a:pPr lvl="2"/>
             <a:r>
-              <a:rPr lang="en-US" smtClean="0"/>
+              <a:rPr lang="en-US"/>
               <a:t>Third level</a:t>
             </a:r>
           </a:p>
           <a:p>
             <a:pPr lvl="3"/>
             <a:r>
-              <a:rPr lang="en-US" smtClean="0"/>
+              <a:rPr lang="en-US"/>
               <a:t>Fourth level</a:t>
             </a:r>
           </a:p>
           <a:p>
             <a:pPr lvl="4"/>
             <a:r>
-              <a:rPr lang="en-US" smtClean="0"/>
+              <a:rPr lang="en-US"/>
               <a:t>Fifth level</a:t>
             </a:r>
             <a:endParaRPr lang="en-US" dirty="0"/>
@@ -1292,7 +1292,7 @@
           <a:p>
             <a:fld id="{46C16CC2-1EB0-4866-BFAD-BC251D8F6603}" type="slidenum">
               <a:rPr lang="bg-BG" smtClean="0"/>
-              <a:t>‹#›</a:t>
+              <a:t>‹Nr.›</a:t>
             </a:fld>
             <a:endParaRPr lang="bg-BG"/>
           </a:p>
@@ -1349,7 +1349,7 @@
           <a:lstStyle/>
           <a:p>
             <a:r>
-              <a:rPr lang="en-US" smtClean="0"/>
+              <a:rPr lang="en-US"/>
               <a:t>Click to edit Master title style</a:t>
             </a:r>
             <a:endParaRPr lang="en-US" dirty="0"/>
@@ -1415,7 +1415,7 @@
           <a:p>
             <a:pPr lvl="0"/>
             <a:r>
-              <a:rPr lang="en-US" smtClean="0"/>
+              <a:rPr lang="en-US"/>
               <a:t>Edit Master text styles</a:t>
             </a:r>
           </a:p>
@@ -1443,35 +1443,35 @@
           <a:p>
             <a:pPr lvl="0"/>
             <a:r>
-              <a:rPr lang="en-US" smtClean="0"/>
+              <a:rPr lang="en-US"/>
               <a:t>Edit Master text styles</a:t>
             </a:r>
           </a:p>
           <a:p>
             <a:pPr lvl="1"/>
             <a:r>
-              <a:rPr lang="en-US" smtClean="0"/>
+              <a:rPr lang="en-US"/>
               <a:t>Second level</a:t>
             </a:r>
           </a:p>
           <a:p>
             <a:pPr lvl="2"/>
             <a:r>
-              <a:rPr lang="en-US" smtClean="0"/>
+              <a:rPr lang="en-US"/>
               <a:t>Third level</a:t>
             </a:r>
           </a:p>
           <a:p>
             <a:pPr lvl="3"/>
             <a:r>
-              <a:rPr lang="en-US" smtClean="0"/>
+              <a:rPr lang="en-US"/>
               <a:t>Fourth level</a:t>
             </a:r>
           </a:p>
           <a:p>
             <a:pPr lvl="4"/>
             <a:r>
-              <a:rPr lang="en-US" smtClean="0"/>
+              <a:rPr lang="en-US"/>
               <a:t>Fifth level</a:t>
             </a:r>
             <a:endParaRPr lang="en-US" dirty="0"/>
@@ -1537,7 +1537,7 @@
           <a:p>
             <a:pPr lvl="0"/>
             <a:r>
-              <a:rPr lang="en-US" smtClean="0"/>
+              <a:rPr lang="en-US"/>
               <a:t>Edit Master text styles</a:t>
             </a:r>
           </a:p>
@@ -1565,35 +1565,35 @@
           <a:p>
             <a:pPr lvl="0"/>
             <a:r>
-              <a:rPr lang="en-US" smtClean="0"/>
+              <a:rPr lang="en-US"/>
               <a:t>Edit Master text styles</a:t>
             </a:r>
           </a:p>
           <a:p>
             <a:pPr lvl="1"/>
             <a:r>
-              <a:rPr lang="en-US" smtClean="0"/>
+              <a:rPr lang="en-US"/>
               <a:t>Second level</a:t>
             </a:r>
           </a:p>
           <a:p>
             <a:pPr lvl="2"/>
             <a:r>
-              <a:rPr lang="en-US" smtClean="0"/>
+              <a:rPr lang="en-US"/>
               <a:t>Third level</a:t>
             </a:r>
           </a:p>
           <a:p>
             <a:pPr lvl="3"/>
             <a:r>
-              <a:rPr lang="en-US" smtClean="0"/>
+              <a:rPr lang="en-US"/>
               <a:t>Fourth level</a:t>
             </a:r>
           </a:p>
           <a:p>
             <a:pPr lvl="4"/>
             <a:r>
-              <a:rPr lang="en-US" smtClean="0"/>
+              <a:rPr lang="en-US"/>
               <a:t>Fifth level</a:t>
             </a:r>
             <a:endParaRPr lang="en-US" dirty="0"/>
@@ -1659,7 +1659,7 @@
           <a:p>
             <a:fld id="{46C16CC2-1EB0-4866-BFAD-BC251D8F6603}" type="slidenum">
               <a:rPr lang="bg-BG" smtClean="0"/>
-              <a:t>‹#›</a:t>
+              <a:t>‹Nr.›</a:t>
             </a:fld>
             <a:endParaRPr lang="bg-BG"/>
           </a:p>
@@ -1711,7 +1711,7 @@
           <a:lstStyle/>
           <a:p>
             <a:r>
-              <a:rPr lang="en-US" smtClean="0"/>
+              <a:rPr lang="en-US"/>
               <a:t>Click to edit Master title style</a:t>
             </a:r>
             <a:endParaRPr lang="en-US" dirty="0"/>
@@ -1777,7 +1777,7 @@
           <a:p>
             <a:fld id="{46C16CC2-1EB0-4866-BFAD-BC251D8F6603}" type="slidenum">
               <a:rPr lang="bg-BG" smtClean="0"/>
-              <a:t>‹#›</a:t>
+              <a:t>‹Nr.›</a:t>
             </a:fld>
             <a:endParaRPr lang="bg-BG"/>
           </a:p>
@@ -1872,7 +1872,7 @@
           <a:p>
             <a:fld id="{46C16CC2-1EB0-4866-BFAD-BC251D8F6603}" type="slidenum">
               <a:rPr lang="bg-BG" smtClean="0"/>
-              <a:t>‹#›</a:t>
+              <a:t>‹Nr.›</a:t>
             </a:fld>
             <a:endParaRPr lang="bg-BG"/>
           </a:p>
@@ -1933,7 +1933,7 @@
           </a:lstStyle>
           <a:p>
             <a:r>
-              <a:rPr lang="en-US" smtClean="0"/>
+              <a:rPr lang="en-US"/>
               <a:t>Click to edit Master title style</a:t>
             </a:r>
             <a:endParaRPr lang="en-US" dirty="0"/>
@@ -1990,35 +1990,35 @@
           <a:p>
             <a:pPr lvl="0"/>
             <a:r>
-              <a:rPr lang="en-US" smtClean="0"/>
+              <a:rPr lang="en-US"/>
               <a:t>Edit Master text styles</a:t>
             </a:r>
           </a:p>
           <a:p>
             <a:pPr lvl="1"/>
             <a:r>
-              <a:rPr lang="en-US" smtClean="0"/>
+              <a:rPr lang="en-US"/>
               <a:t>Second level</a:t>
             </a:r>
           </a:p>
           <a:p>
             <a:pPr lvl="2"/>
             <a:r>
-              <a:rPr lang="en-US" smtClean="0"/>
+              <a:rPr lang="en-US"/>
               <a:t>Third level</a:t>
             </a:r>
           </a:p>
           <a:p>
             <a:pPr lvl="3"/>
             <a:r>
-              <a:rPr lang="en-US" smtClean="0"/>
+              <a:rPr lang="en-US"/>
               <a:t>Fourth level</a:t>
             </a:r>
           </a:p>
           <a:p>
             <a:pPr lvl="4"/>
             <a:r>
-              <a:rPr lang="en-US" smtClean="0"/>
+              <a:rPr lang="en-US"/>
               <a:t>Fifth level</a:t>
             </a:r>
             <a:endParaRPr lang="en-US" dirty="0"/>
@@ -2084,7 +2084,7 @@
           <a:p>
             <a:pPr lvl="0"/>
             <a:r>
-              <a:rPr lang="en-US" smtClean="0"/>
+              <a:rPr lang="en-US"/>
               <a:t>Edit Master text styles</a:t>
             </a:r>
           </a:p>
@@ -2149,7 +2149,7 @@
           <a:p>
             <a:fld id="{46C16CC2-1EB0-4866-BFAD-BC251D8F6603}" type="slidenum">
               <a:rPr lang="bg-BG" smtClean="0"/>
-              <a:t>‹#›</a:t>
+              <a:t>‹Nr.›</a:t>
             </a:fld>
             <a:endParaRPr lang="bg-BG"/>
           </a:p>
@@ -2210,7 +2210,7 @@
           </a:lstStyle>
           <a:p>
             <a:r>
-              <a:rPr lang="en-US" smtClean="0"/>
+              <a:rPr lang="en-US"/>
               <a:t>Click to edit Master title style</a:t>
             </a:r>
             <a:endParaRPr lang="en-US" dirty="0"/>
@@ -2275,7 +2275,7 @@
           </a:lstStyle>
           <a:p>
             <a:r>
-              <a:rPr lang="en-US" smtClean="0"/>
+              <a:rPr lang="en-US"/>
               <a:t>Click icon to add picture</a:t>
             </a:r>
             <a:endParaRPr lang="en-US" dirty="0"/>
@@ -2341,7 +2341,7 @@
           <a:p>
             <a:pPr lvl="0"/>
             <a:r>
-              <a:rPr lang="en-US" smtClean="0"/>
+              <a:rPr lang="en-US"/>
               <a:t>Edit Master text styles</a:t>
             </a:r>
           </a:p>
@@ -2406,7 +2406,7 @@
           <a:p>
             <a:fld id="{46C16CC2-1EB0-4866-BFAD-BC251D8F6603}" type="slidenum">
               <a:rPr lang="bg-BG" smtClean="0"/>
-              <a:t>‹#›</a:t>
+              <a:t>‹Nr.›</a:t>
             </a:fld>
             <a:endParaRPr lang="bg-BG"/>
           </a:p>
@@ -2473,7 +2473,7 @@
           <a:lstStyle/>
           <a:p>
             <a:r>
-              <a:rPr lang="en-US" smtClean="0"/>
+              <a:rPr lang="en-US"/>
               <a:t>Click to edit Master title style</a:t>
             </a:r>
             <a:endParaRPr lang="en-US" dirty="0"/>
@@ -2507,35 +2507,35 @@
           <a:p>
             <a:pPr lvl="0"/>
             <a:r>
-              <a:rPr lang="en-US" smtClean="0"/>
+              <a:rPr lang="en-US"/>
               <a:t>Edit Master text styles</a:t>
             </a:r>
           </a:p>
           <a:p>
             <a:pPr lvl="1"/>
             <a:r>
-              <a:rPr lang="en-US" smtClean="0"/>
+              <a:rPr lang="en-US"/>
               <a:t>Second level</a:t>
             </a:r>
           </a:p>
           <a:p>
             <a:pPr lvl="2"/>
             <a:r>
-              <a:rPr lang="en-US" smtClean="0"/>
+              <a:rPr lang="en-US"/>
               <a:t>Third level</a:t>
             </a:r>
           </a:p>
           <a:p>
             <a:pPr lvl="3"/>
             <a:r>
-              <a:rPr lang="en-US" smtClean="0"/>
+              <a:rPr lang="en-US"/>
               <a:t>Fourth level</a:t>
             </a:r>
           </a:p>
           <a:p>
             <a:pPr lvl="4"/>
             <a:r>
-              <a:rPr lang="en-US" smtClean="0"/>
+              <a:rPr lang="en-US"/>
               <a:t>Fifth level</a:t>
             </a:r>
             <a:endParaRPr lang="en-US" dirty="0"/>
@@ -2655,7 +2655,7 @@
           <a:p>
             <a:fld id="{46C16CC2-1EB0-4866-BFAD-BC251D8F6603}" type="slidenum">
               <a:rPr lang="bg-BG" smtClean="0"/>
-              <a:t>‹#›</a:t>
+              <a:t>‹Nr.›</a:t>
             </a:fld>
             <a:endParaRPr lang="bg-BG"/>
           </a:p>
@@ -3006,7 +3006,7 @@
           <a:p>
             <a:pPr algn="ctr"/>
             <a:r>
-              <a:rPr lang="en-US" sz="13800" dirty="0" smtClean="0">
+              <a:rPr lang="en-US" sz="13800" dirty="0">
                 <a:latin typeface="Times New Roman" panose="02020603050405020304" pitchFamily="18" charset="0"/>
                 <a:cs typeface="Times New Roman" panose="02020603050405020304" pitchFamily="18" charset="0"/>
               </a:rPr>
@@ -3100,27 +3100,27 @@
           <a:lstStyle/>
           <a:p>
             <a:r>
-              <a:rPr lang="en-US" sz="3600" b="1" dirty="0" err="1" smtClean="0">
+              <a:rPr lang="en-US" sz="3600" b="1" dirty="0" err="1">
                 <a:latin typeface="Times New Roman" panose="02020603050405020304" pitchFamily="18" charset="0"/>
                 <a:cs typeface="Times New Roman" panose="02020603050405020304" pitchFamily="18" charset="0"/>
               </a:rPr>
               <a:t>Alesio</a:t>
             </a:r>
             <a:r>
-              <a:rPr lang="en-US" sz="3600" b="1" dirty="0" smtClean="0">
+              <a:rPr lang="en-US" sz="3600" b="1" dirty="0">
                 <a:latin typeface="Times New Roman" panose="02020603050405020304" pitchFamily="18" charset="0"/>
                 <a:cs typeface="Times New Roman" panose="02020603050405020304" pitchFamily="18" charset="0"/>
               </a:rPr>
               <a:t> </a:t>
             </a:r>
             <a:r>
-              <a:rPr lang="en-US" sz="3600" b="1" dirty="0" err="1" smtClean="0">
+              <a:rPr lang="en-US" sz="3600" b="1" dirty="0" err="1">
                 <a:latin typeface="Times New Roman" panose="02020603050405020304" pitchFamily="18" charset="0"/>
                 <a:cs typeface="Times New Roman" panose="02020603050405020304" pitchFamily="18" charset="0"/>
               </a:rPr>
               <a:t>Demiri</a:t>
             </a:r>
-            <a:endParaRPr lang="en-US" sz="3600" b="1" dirty="0" smtClean="0">
+            <a:endParaRPr lang="en-US" sz="3600" b="1" dirty="0">
               <a:latin typeface="Times New Roman" panose="02020603050405020304" pitchFamily="18" charset="0"/>
               <a:cs typeface="Times New Roman" panose="02020603050405020304" pitchFamily="18" charset="0"/>
             </a:endParaRPr>
@@ -3140,169 +3140,147 @@
               </a:rPr>
               <a:t> di Milano</a:t>
             </a:r>
-            <a:endParaRPr lang="en-US" sz="3600" dirty="0" smtClean="0">
-              <a:latin typeface="Times New Roman" panose="02020603050405020304" pitchFamily="18" charset="0"/>
-              <a:cs typeface="Times New Roman" panose="02020603050405020304" pitchFamily="18" charset="0"/>
-            </a:endParaRPr>
-          </a:p>
-          <a:p>
-            <a:r>
-              <a:rPr lang="en-US" sz="3600" dirty="0" smtClean="0">
-                <a:latin typeface="Times New Roman" panose="02020603050405020304" pitchFamily="18" charset="0"/>
-                <a:cs typeface="Times New Roman" panose="02020603050405020304" pitchFamily="18" charset="0"/>
-              </a:rPr>
-              <a:t>alesio.demiri@mail.polimi.it</a:t>
-            </a:r>
-          </a:p>
-          <a:p>
-            <a:endParaRPr lang="en-US" sz="3600" dirty="0" smtClean="0">
-              <a:latin typeface="Times New Roman" panose="02020603050405020304" pitchFamily="18" charset="0"/>
-              <a:cs typeface="Times New Roman" panose="02020603050405020304" pitchFamily="18" charset="0"/>
-            </a:endParaRPr>
-          </a:p>
-          <a:p>
-            <a:r>
-              <a:rPr lang="en-US" sz="3600" b="1" dirty="0" err="1" smtClean="0">
-                <a:latin typeface="Times New Roman" panose="02020603050405020304" pitchFamily="18" charset="0"/>
-                <a:cs typeface="Times New Roman" panose="02020603050405020304" pitchFamily="18" charset="0"/>
-              </a:rPr>
-              <a:t>Davide</a:t>
-            </a:r>
-            <a:r>
-              <a:rPr lang="en-US" sz="3600" b="1" dirty="0" smtClean="0">
-                <a:latin typeface="Times New Roman" panose="02020603050405020304" pitchFamily="18" charset="0"/>
-                <a:cs typeface="Times New Roman" panose="02020603050405020304" pitchFamily="18" charset="0"/>
-              </a:rPr>
-              <a:t> </a:t>
-            </a:r>
-            <a:r>
-              <a:rPr lang="en-US" sz="3600" b="1" dirty="0" err="1" smtClean="0">
-                <a:latin typeface="Times New Roman" panose="02020603050405020304" pitchFamily="18" charset="0"/>
-                <a:cs typeface="Times New Roman" panose="02020603050405020304" pitchFamily="18" charset="0"/>
-              </a:rPr>
-              <a:t>Villani</a:t>
-            </a:r>
-            <a:endParaRPr lang="en-US" sz="3600" b="1" dirty="0" smtClean="0">
-              <a:latin typeface="Times New Roman" panose="02020603050405020304" pitchFamily="18" charset="0"/>
-              <a:cs typeface="Times New Roman" panose="02020603050405020304" pitchFamily="18" charset="0"/>
-            </a:endParaRPr>
-          </a:p>
-          <a:p>
-            <a:r>
-              <a:rPr lang="en-US" sz="3600" dirty="0" err="1">
-                <a:latin typeface="Times New Roman" panose="02020603050405020304" pitchFamily="18" charset="0"/>
-                <a:cs typeface="Times New Roman" panose="02020603050405020304" pitchFamily="18" charset="0"/>
-              </a:rPr>
-              <a:t>Politecnico</a:t>
-            </a:r>
+          </a:p>
+          <a:p>
             <a:r>
               <a:rPr lang="en-US" sz="3600" dirty="0">
                 <a:latin typeface="Times New Roman" panose="02020603050405020304" pitchFamily="18" charset="0"/>
                 <a:cs typeface="Times New Roman" panose="02020603050405020304" pitchFamily="18" charset="0"/>
               </a:rPr>
-              <a:t> di </a:t>
-            </a:r>
-            <a:r>
-              <a:rPr lang="en-US" sz="3600" dirty="0" smtClean="0">
-                <a:latin typeface="Times New Roman" panose="02020603050405020304" pitchFamily="18" charset="0"/>
-                <a:cs typeface="Times New Roman" panose="02020603050405020304" pitchFamily="18" charset="0"/>
-              </a:rPr>
-              <a:t>Milano</a:t>
-            </a:r>
-          </a:p>
-          <a:p>
-            <a:r>
-              <a:rPr lang="en-US" sz="3600" dirty="0" smtClean="0">
-                <a:latin typeface="Times New Roman" panose="02020603050405020304" pitchFamily="18" charset="0"/>
-                <a:cs typeface="Times New Roman" panose="02020603050405020304" pitchFamily="18" charset="0"/>
-              </a:rPr>
-              <a:t>davide2.villain@mail.polimi.it</a:t>
-            </a:r>
+              <a:t>alesio.demiri@mail.polimi.it</a:t>
+            </a:r>
+          </a:p>
+          <a:p>
             <a:endParaRPr lang="en-US" sz="3600" dirty="0">
               <a:latin typeface="Times New Roman" panose="02020603050405020304" pitchFamily="18" charset="0"/>
               <a:cs typeface="Times New Roman" panose="02020603050405020304" pitchFamily="18" charset="0"/>
             </a:endParaRPr>
           </a:p>
           <a:p>
-            <a:endParaRPr lang="en-US" sz="3600" dirty="0" smtClean="0">
+            <a:r>
+              <a:rPr lang="en-US" sz="3600" b="1" dirty="0" err="1">
+                <a:latin typeface="Times New Roman" panose="02020603050405020304" pitchFamily="18" charset="0"/>
+                <a:cs typeface="Times New Roman" panose="02020603050405020304" pitchFamily="18" charset="0"/>
+              </a:rPr>
+              <a:t>Davide</a:t>
+            </a:r>
+            <a:r>
+              <a:rPr lang="en-US" sz="3600" b="1" dirty="0">
+                <a:latin typeface="Times New Roman" panose="02020603050405020304" pitchFamily="18" charset="0"/>
+                <a:cs typeface="Times New Roman" panose="02020603050405020304" pitchFamily="18" charset="0"/>
+              </a:rPr>
+              <a:t> </a:t>
+            </a:r>
+            <a:r>
+              <a:rPr lang="en-US" sz="3600" b="1" dirty="0" err="1">
+                <a:latin typeface="Times New Roman" panose="02020603050405020304" pitchFamily="18" charset="0"/>
+                <a:cs typeface="Times New Roman" panose="02020603050405020304" pitchFamily="18" charset="0"/>
+              </a:rPr>
+              <a:t>Villani</a:t>
+            </a:r>
+            <a:endParaRPr lang="en-US" sz="3600" b="1" dirty="0">
               <a:latin typeface="Times New Roman" panose="02020603050405020304" pitchFamily="18" charset="0"/>
               <a:cs typeface="Times New Roman" panose="02020603050405020304" pitchFamily="18" charset="0"/>
             </a:endParaRPr>
           </a:p>
           <a:p>
             <a:r>
-              <a:rPr lang="en-US" sz="3600" b="1" dirty="0" smtClean="0">
+              <a:rPr lang="en-US" sz="3600" dirty="0" err="1">
                 <a:latin typeface="Times New Roman" panose="02020603050405020304" pitchFamily="18" charset="0"/>
                 <a:cs typeface="Times New Roman" panose="02020603050405020304" pitchFamily="18" charset="0"/>
               </a:rPr>
-              <a:t>Thomas </a:t>
-            </a:r>
-            <a:r>
-              <a:rPr lang="en-US" sz="3600" b="1" dirty="0" err="1" smtClean="0">
+              <a:t>Politecnico</a:t>
+            </a:r>
+            <a:r>
+              <a:rPr lang="en-US" sz="3600" dirty="0">
                 <a:latin typeface="Times New Roman" panose="02020603050405020304" pitchFamily="18" charset="0"/>
                 <a:cs typeface="Times New Roman" panose="02020603050405020304" pitchFamily="18" charset="0"/>
               </a:rPr>
-              <a:t>Gantz</a:t>
-            </a:r>
-            <a:endParaRPr lang="en-US" sz="3600" b="1" dirty="0" smtClean="0">
+              <a:t> di Milano</a:t>
+            </a:r>
+          </a:p>
+          <a:p>
+            <a:r>
+              <a:rPr lang="en-US" sz="3600" dirty="0">
+                <a:latin typeface="Times New Roman" panose="02020603050405020304" pitchFamily="18" charset="0"/>
+                <a:cs typeface="Times New Roman" panose="02020603050405020304" pitchFamily="18" charset="0"/>
+              </a:rPr>
+              <a:t>davide2.villain@mail.polimi.it</a:t>
+            </a:r>
+          </a:p>
+          <a:p>
+            <a:endParaRPr lang="en-US" sz="3600" dirty="0">
               <a:latin typeface="Times New Roman" panose="02020603050405020304" pitchFamily="18" charset="0"/>
               <a:cs typeface="Times New Roman" panose="02020603050405020304" pitchFamily="18" charset="0"/>
             </a:endParaRPr>
           </a:p>
           <a:p>
             <a:r>
+              <a:rPr lang="en-US" sz="3600" b="1" dirty="0">
+                <a:latin typeface="Times New Roman" panose="02020603050405020304" pitchFamily="18" charset="0"/>
+                <a:cs typeface="Times New Roman" panose="02020603050405020304" pitchFamily="18" charset="0"/>
+              </a:rPr>
+              <a:t>Thomas </a:t>
+            </a:r>
+            <a:r>
+              <a:rPr lang="en-US" sz="3600" b="1" dirty="0" err="1">
+                <a:latin typeface="Times New Roman" panose="02020603050405020304" pitchFamily="18" charset="0"/>
+                <a:cs typeface="Times New Roman" panose="02020603050405020304" pitchFamily="18" charset="0"/>
+              </a:rPr>
+              <a:t>Gantz</a:t>
+            </a:r>
+            <a:endParaRPr lang="en-US" sz="3600" b="1" dirty="0">
+              <a:latin typeface="Times New Roman" panose="02020603050405020304" pitchFamily="18" charset="0"/>
+              <a:cs typeface="Times New Roman" panose="02020603050405020304" pitchFamily="18" charset="0"/>
+            </a:endParaRPr>
+          </a:p>
+          <a:p>
+            <a:r>
               <a:rPr lang="en-US" sz="3600" dirty="0">
                 <a:latin typeface="Times New Roman" panose="02020603050405020304" pitchFamily="18" charset="0"/>
                 <a:cs typeface="Times New Roman" panose="02020603050405020304" pitchFamily="18" charset="0"/>
               </a:rPr>
-              <a:t>Sorbonne </a:t>
-            </a:r>
-            <a:r>
-              <a:rPr lang="en-US" sz="3600" dirty="0" smtClean="0">
+              <a:t>Sorbonne University</a:t>
+            </a:r>
+          </a:p>
+          <a:p>
+            <a:r>
+              <a:rPr lang="en-US" sz="3600" dirty="0">
                 <a:latin typeface="Times New Roman" panose="02020603050405020304" pitchFamily="18" charset="0"/>
                 <a:cs typeface="Times New Roman" panose="02020603050405020304" pitchFamily="18" charset="0"/>
               </a:rPr>
-              <a:t>University</a:t>
-            </a:r>
-          </a:p>
-          <a:p>
-            <a:r>
-              <a:rPr lang="en-US" sz="3600" dirty="0" smtClean="0">
-                <a:latin typeface="Times New Roman" panose="02020603050405020304" pitchFamily="18" charset="0"/>
-                <a:cs typeface="Times New Roman" panose="02020603050405020304" pitchFamily="18" charset="0"/>
-              </a:rPr>
               <a:t>gantz.thomas.gantz@gmail.com</a:t>
             </a:r>
           </a:p>
           <a:p>
-            <a:endParaRPr lang="en-US" sz="3600" dirty="0" smtClean="0">
+            <a:endParaRPr lang="en-US" sz="3600" dirty="0">
               <a:latin typeface="Times New Roman" panose="02020603050405020304" pitchFamily="18" charset="0"/>
               <a:cs typeface="Times New Roman" panose="02020603050405020304" pitchFamily="18" charset="0"/>
             </a:endParaRPr>
           </a:p>
           <a:p>
             <a:r>
-              <a:rPr lang="en-US" sz="3600" b="1" dirty="0" smtClean="0">
+              <a:rPr lang="en-US" sz="3600" b="1" dirty="0">
                 <a:latin typeface="Times New Roman" panose="02020603050405020304" pitchFamily="18" charset="0"/>
                 <a:cs typeface="Times New Roman" panose="02020603050405020304" pitchFamily="18" charset="0"/>
               </a:rPr>
               <a:t>Tsvetelin </a:t>
             </a:r>
             <a:r>
-              <a:rPr lang="en-US" sz="3600" b="1" dirty="0" err="1" smtClean="0">
+              <a:rPr lang="en-US" sz="3600" b="1" dirty="0" err="1">
                 <a:latin typeface="Times New Roman" panose="02020603050405020304" pitchFamily="18" charset="0"/>
                 <a:cs typeface="Times New Roman" panose="02020603050405020304" pitchFamily="18" charset="0"/>
               </a:rPr>
               <a:t>Kostadinov</a:t>
             </a:r>
-            <a:endParaRPr lang="en-US" sz="3600" b="1" dirty="0" smtClean="0">
+            <a:endParaRPr lang="en-US" sz="3600" b="1" dirty="0">
               <a:latin typeface="Times New Roman" panose="02020603050405020304" pitchFamily="18" charset="0"/>
               <a:cs typeface="Times New Roman" panose="02020603050405020304" pitchFamily="18" charset="0"/>
             </a:endParaRPr>
           </a:p>
           <a:p>
             <a:r>
-              <a:rPr lang="en-US" sz="3600" dirty="0" smtClean="0">
+              <a:rPr lang="en-US" sz="3600" dirty="0">
                 <a:latin typeface="Times New Roman" panose="02020603050405020304" pitchFamily="18" charset="0"/>
                 <a:cs typeface="Times New Roman" panose="02020603050405020304" pitchFamily="18" charset="0"/>
               </a:rPr>
@@ -3311,7 +3289,7 @@
           </a:p>
           <a:p>
             <a:r>
-              <a:rPr lang="en-US" sz="3600" dirty="0" smtClean="0">
+              <a:rPr lang="en-US" sz="3600" dirty="0">
                 <a:latin typeface="Times New Roman" panose="02020603050405020304" pitchFamily="18" charset="0"/>
                 <a:cs typeface="Times New Roman" panose="02020603050405020304" pitchFamily="18" charset="0"/>
               </a:rPr>
@@ -3431,7 +3409,7 @@
           <a:lstStyle/>
           <a:p>
             <a:r>
-              <a:rPr lang="en-US" b="1" dirty="0" smtClean="0">
+              <a:rPr lang="en-US" b="1" dirty="0">
                 <a:latin typeface="Times New Roman" panose="02020603050405020304" pitchFamily="18" charset="0"/>
                 <a:cs typeface="Times New Roman" panose="02020603050405020304" pitchFamily="18" charset="0"/>
               </a:rPr>
@@ -3439,25 +3417,18 @@
             </a:r>
           </a:p>
           <a:p>
-            <a:endParaRPr lang="en-US" sz="2000" b="1" dirty="0" smtClean="0">
+            <a:endParaRPr lang="en-US" sz="2000" b="1" dirty="0">
               <a:latin typeface="Arial" panose="020B0604020202020204" pitchFamily="34" charset="0"/>
               <a:cs typeface="Arial" panose="020B0604020202020204" pitchFamily="34" charset="0"/>
             </a:endParaRPr>
           </a:p>
           <a:p>
             <a:r>
-              <a:rPr lang="en-US" sz="4000" dirty="0" smtClean="0">
-                <a:latin typeface="Arial" panose="020B0604020202020204" pitchFamily="34" charset="0"/>
-                <a:cs typeface="Arial" panose="020B0604020202020204" pitchFamily="34" charset="0"/>
-              </a:rPr>
-              <a:t>The </a:t>
-            </a:r>
-            <a:r>
               <a:rPr lang="en-US" sz="4000" dirty="0">
                 <a:latin typeface="Arial" panose="020B0604020202020204" pitchFamily="34" charset="0"/>
                 <a:cs typeface="Arial" panose="020B0604020202020204" pitchFamily="34" charset="0"/>
               </a:rPr>
-              <a:t>goal of this project is to investigate the application of the branch-and-bound (B&amp;B) algorithm for graph coloring in the context of High Performance Computing (HPC). Traditional graph coloring approaches typically aim for a fully parallelized direct solution. However, B&amp;B provides intermediate results that can be valuable depending on the application, making it particularly appealing for real-world use cases. Additionally, its hierarchical structure naturally facilitates parallelization, making it a promising candidate for HPC implementations.</a:t>
+              <a:t>The goal of this project is to investigate the application of the branch-and-bound (B&amp;B) algorithm for graph coloring in the context of High Performance Computing (HPC). Traditional graph coloring approaches typically aim for a fully parallelized direct solution. However, B&amp;B provides intermediate results that can be valuable depending on the application, making it particularly appealing for real-world use cases. Additionally, its hierarchical structure naturally facilitates parallelization, making it a promising candidate for HPC implementations.</a:t>
             </a:r>
             <a:endParaRPr lang="bg-BG" sz="4000" dirty="0">
               <a:latin typeface="Arial" panose="020B0604020202020204" pitchFamily="34" charset="0"/>
@@ -3489,7 +3460,7 @@
           <a:lstStyle/>
           <a:p>
             <a:r>
-              <a:rPr lang="en-US" b="1" dirty="0" smtClean="0">
+              <a:rPr lang="en-US" b="1" dirty="0">
                 <a:latin typeface="Times New Roman" panose="02020603050405020304" pitchFamily="18" charset="0"/>
                 <a:cs typeface="Times New Roman" panose="02020603050405020304" pitchFamily="18" charset="0"/>
               </a:rPr>
@@ -3497,7 +3468,7 @@
             </a:r>
           </a:p>
           <a:p>
-            <a:endParaRPr lang="en-US" sz="2000" b="1" dirty="0" smtClean="0">
+            <a:endParaRPr lang="en-US" sz="2000" b="1" dirty="0">
               <a:latin typeface="Times New Roman" panose="02020603050405020304" pitchFamily="18" charset="0"/>
               <a:cs typeface="Times New Roman" panose="02020603050405020304" pitchFamily="18" charset="0"/>
             </a:endParaRPr>
@@ -3508,14 +3479,7 @@
                 <a:latin typeface="Arial" panose="020B0604020202020204" pitchFamily="34" charset="0"/>
                 <a:cs typeface="Arial" panose="020B0604020202020204" pitchFamily="34" charset="0"/>
               </a:rPr>
-              <a:t>To ensure convergence to the exact chromatic number, we employ multiple algorithms to compute lower and upper bounds</a:t>
-            </a:r>
-            <a:r>
-              <a:rPr lang="en-US" sz="4000" dirty="0" smtClean="0">
-                <a:latin typeface="Arial" panose="020B0604020202020204" pitchFamily="34" charset="0"/>
-                <a:cs typeface="Arial" panose="020B0604020202020204" pitchFamily="34" charset="0"/>
-              </a:rPr>
-              <a:t>:</a:t>
+              <a:t>To ensure convergence to the exact chromatic number, we employ multiple algorithms to compute lower and upper bounds:</a:t>
             </a:r>
           </a:p>
           <a:p>
@@ -3524,46 +3488,32 @@
               <a:buChar char="•"/>
             </a:pPr>
             <a:r>
-              <a:rPr lang="en-US" sz="4000" dirty="0" err="1" smtClean="0">
+              <a:rPr lang="en-US" sz="4000" dirty="0" err="1">
                 <a:latin typeface="Arial" panose="020B0604020202020204" pitchFamily="34" charset="0"/>
                 <a:cs typeface="Arial" panose="020B0604020202020204" pitchFamily="34" charset="0"/>
               </a:rPr>
               <a:t>Bron</a:t>
-            </a:r>
-            <a:r>
-              <a:rPr lang="en-US" sz="4000" dirty="0" smtClean="0">
-                <a:latin typeface="Arial" panose="020B0604020202020204" pitchFamily="34" charset="0"/>
-                <a:cs typeface="Arial" panose="020B0604020202020204" pitchFamily="34" charset="0"/>
-              </a:rPr>
-              <a:t>–</a:t>
-            </a:r>
-            <a:r>
-              <a:rPr lang="en-US" sz="4000" dirty="0" err="1" smtClean="0">
-                <a:latin typeface="Arial" panose="020B0604020202020204" pitchFamily="34" charset="0"/>
-                <a:cs typeface="Arial" panose="020B0604020202020204" pitchFamily="34" charset="0"/>
-              </a:rPr>
-              <a:t>Kerbosch</a:t>
-            </a:r>
-            <a:r>
-              <a:rPr lang="en-US" sz="4000" dirty="0" smtClean="0">
-                <a:latin typeface="Arial" panose="020B0604020202020204" pitchFamily="34" charset="0"/>
-                <a:cs typeface="Arial" panose="020B0604020202020204" pitchFamily="34" charset="0"/>
-              </a:rPr>
-              <a:t> </a:t>
             </a:r>
             <a:r>
               <a:rPr lang="en-US" sz="4000" dirty="0">
                 <a:latin typeface="Arial" panose="020B0604020202020204" pitchFamily="34" charset="0"/>
                 <a:cs typeface="Arial" panose="020B0604020202020204" pitchFamily="34" charset="0"/>
               </a:rPr>
-              <a:t>algorithm: Identifies the maximum clique in the graph, providing a lower bound</a:t>
-            </a:r>
-            <a:r>
-              <a:rPr lang="en-US" sz="4000" dirty="0" smtClean="0">
+              <a:t>–</a:t>
+            </a:r>
+            <a:r>
+              <a:rPr lang="en-US" sz="4000" dirty="0" err="1">
                 <a:latin typeface="Arial" panose="020B0604020202020204" pitchFamily="34" charset="0"/>
                 <a:cs typeface="Arial" panose="020B0604020202020204" pitchFamily="34" charset="0"/>
               </a:rPr>
-              <a:t>.</a:t>
+              <a:t>Kerbosch</a:t>
+            </a:r>
+            <a:r>
+              <a:rPr lang="en-US" sz="4000" dirty="0">
+                <a:latin typeface="Arial" panose="020B0604020202020204" pitchFamily="34" charset="0"/>
+                <a:cs typeface="Arial" panose="020B0604020202020204" pitchFamily="34" charset="0"/>
+              </a:rPr>
+              <a:t> algorithm: Identifies the maximum clique in the graph, providing a lower bound.</a:t>
             </a:r>
           </a:p>
           <a:p>
@@ -3572,7 +3522,7 @@
               <a:buChar char="•"/>
             </a:pPr>
             <a:r>
-              <a:rPr lang="en-US" sz="4000" dirty="0" err="1" smtClean="0">
+              <a:rPr lang="en-US" sz="4000" dirty="0" err="1">
                 <a:latin typeface="Arial" panose="020B0604020202020204" pitchFamily="34" charset="0"/>
                 <a:cs typeface="Arial" panose="020B0604020202020204" pitchFamily="34" charset="0"/>
               </a:rPr>
@@ -3583,14 +3533,7 @@
                 <a:latin typeface="Arial" panose="020B0604020202020204" pitchFamily="34" charset="0"/>
                 <a:cs typeface="Arial" panose="020B0604020202020204" pitchFamily="34" charset="0"/>
               </a:rPr>
-              <a:t>: A heuristic algorithm that finds a proper coloring, establishing an upper bound</a:t>
-            </a:r>
-            <a:r>
-              <a:rPr lang="en-US" sz="4000" dirty="0" smtClean="0">
-                <a:latin typeface="Arial" panose="020B0604020202020204" pitchFamily="34" charset="0"/>
-                <a:cs typeface="Arial" panose="020B0604020202020204" pitchFamily="34" charset="0"/>
-              </a:rPr>
-              <a:t>.</a:t>
+              <a:t>: A heuristic algorithm that finds a proper coloring, establishing an upper bound.</a:t>
             </a:r>
           </a:p>
           <a:p>
@@ -3605,18 +3548,11 @@
           </a:p>
           <a:p>
             <a:r>
-              <a:rPr lang="en-US" sz="4000" dirty="0" smtClean="0">
-                <a:latin typeface="Arial" panose="020B0604020202020204" pitchFamily="34" charset="0"/>
-                <a:cs typeface="Arial" panose="020B0604020202020204" pitchFamily="34" charset="0"/>
-              </a:rPr>
-              <a:t>We </a:t>
-            </a:r>
-            <a:r>
               <a:rPr lang="en-US" sz="4000" dirty="0">
                 <a:latin typeface="Arial" panose="020B0604020202020204" pitchFamily="34" charset="0"/>
                 <a:cs typeface="Arial" panose="020B0604020202020204" pitchFamily="34" charset="0"/>
               </a:rPr>
-              <a:t>utilize MPI to distribute and coordinate </a:t>
+              <a:t>We utilize MPI to distribute and coordinate </a:t>
             </a:r>
             <a:r>
               <a:rPr lang="en-US" sz="4000" dirty="0" err="1">
@@ -3644,28 +3580,7 @@
                 <a:latin typeface="Arial" panose="020B0604020202020204" pitchFamily="34" charset="0"/>
                 <a:cs typeface="Arial" panose="020B0604020202020204" pitchFamily="34" charset="0"/>
               </a:rPr>
-              <a:t> are managed through a shared task </a:t>
-            </a:r>
-            <a:r>
-              <a:rPr lang="en-US" sz="4000" dirty="0" smtClean="0">
-                <a:latin typeface="Arial" panose="020B0604020202020204" pitchFamily="34" charset="0"/>
-                <a:cs typeface="Arial" panose="020B0604020202020204" pitchFamily="34" charset="0"/>
-              </a:rPr>
-              <a:t>stack, </a:t>
-            </a:r>
-            <a:r>
-              <a:rPr lang="en-US" sz="4000" dirty="0">
-                <a:latin typeface="Arial" panose="020B0604020202020204" pitchFamily="34" charset="0"/>
-                <a:cs typeface="Arial" panose="020B0604020202020204" pitchFamily="34" charset="0"/>
-              </a:rPr>
-              <a:t>where worker processes retrieve and process them dynamically. Each instance computes updated upper and lower bounds, which the master node </a:t>
-            </a:r>
-            <a:r>
-              <a:rPr lang="en-US" sz="4000" dirty="0" smtClean="0">
-                <a:latin typeface="Arial" panose="020B0604020202020204" pitchFamily="34" charset="0"/>
-                <a:cs typeface="Arial" panose="020B0604020202020204" pitchFamily="34" charset="0"/>
-              </a:rPr>
-              <a:t>acts as a reducer checking if an optimal solution has been reached.</a:t>
+              <a:t> are managed through a shared task stack, where worker processes retrieve and process them dynamically. Each instance computes updated upper and lower bounds, which the master node acts as a reducer checking if an optimal solution has been reached.</a:t>
             </a:r>
           </a:p>
         </p:txBody>
@@ -3693,7 +3608,7 @@
           <a:lstStyle/>
           <a:p>
             <a:r>
-              <a:rPr lang="en-US" b="1" dirty="0" smtClean="0">
+              <a:rPr lang="en-US" b="1" dirty="0">
                 <a:latin typeface="Times New Roman" panose="02020603050405020304" pitchFamily="18" charset="0"/>
                 <a:cs typeface="Times New Roman" panose="02020603050405020304" pitchFamily="18" charset="0"/>
               </a:rPr>
@@ -3701,33 +3616,29 @@
             </a:r>
           </a:p>
           <a:p>
-            <a:endParaRPr lang="en-US" sz="2000" b="1" dirty="0" smtClean="0">
+            <a:endParaRPr lang="en-US" sz="2000" b="1" dirty="0">
               <a:latin typeface="Times New Roman" panose="02020603050405020304" pitchFamily="18" charset="0"/>
               <a:cs typeface="Times New Roman" panose="02020603050405020304" pitchFamily="18" charset="0"/>
             </a:endParaRPr>
           </a:p>
           <a:p>
             <a:r>
-              <a:rPr lang="en-US" sz="4000" dirty="0" smtClean="0">
+              <a:rPr lang="en-US" sz="4000" dirty="0">
                 <a:latin typeface="Arial" panose="020B0604020202020204" pitchFamily="34" charset="0"/>
                 <a:cs typeface="Arial" panose="020B0604020202020204" pitchFamily="34" charset="0"/>
               </a:rPr>
               <a:t>Successfully developed a proof of concept for the branch and bounds algorithm for graph coloring. Even in it’s early stages of development, it has shown potential for applications in real-world scenarios.</a:t>
             </a:r>
+          </a:p>
+          <a:p>
             <a:endParaRPr lang="en-US" sz="4000" dirty="0">
               <a:latin typeface="Arial" panose="020B0604020202020204" pitchFamily="34" charset="0"/>
               <a:cs typeface="Arial" panose="020B0604020202020204" pitchFamily="34" charset="0"/>
             </a:endParaRPr>
           </a:p>
           <a:p>
-            <a:endParaRPr lang="en-US" sz="4000" dirty="0" smtClean="0">
-              <a:latin typeface="Arial" panose="020B0604020202020204" pitchFamily="34" charset="0"/>
-              <a:cs typeface="Arial" panose="020B0604020202020204" pitchFamily="34" charset="0"/>
-            </a:endParaRPr>
-          </a:p>
-          <a:p>
-            <a:r>
-              <a:rPr lang="en-US" sz="4000" dirty="0" smtClean="0">
+            <a:r>
+              <a:rPr lang="en-US" sz="4000" dirty="0">
                 <a:latin typeface="Arial" panose="020B0604020202020204" pitchFamily="34" charset="0"/>
                 <a:cs typeface="Arial" panose="020B0604020202020204" pitchFamily="34" charset="0"/>
               </a:rPr>
@@ -3763,7 +3674,7 @@
           <a:lstStyle/>
           <a:p>
             <a:r>
-              <a:rPr lang="en-US" b="1" dirty="0" smtClean="0">
+              <a:rPr lang="en-US" b="1" dirty="0">
                 <a:latin typeface="Times New Roman" panose="02020603050405020304" pitchFamily="18" charset="0"/>
                 <a:cs typeface="Times New Roman" panose="02020603050405020304" pitchFamily="18" charset="0"/>
               </a:rPr>
@@ -3771,25 +3682,18 @@
             </a:r>
           </a:p>
           <a:p>
-            <a:endParaRPr lang="en-US" sz="2000" b="1" dirty="0" smtClean="0">
+            <a:endParaRPr lang="en-US" sz="2000" b="1" dirty="0">
               <a:latin typeface="Times New Roman" panose="02020603050405020304" pitchFamily="18" charset="0"/>
               <a:cs typeface="Times New Roman" panose="02020603050405020304" pitchFamily="18" charset="0"/>
             </a:endParaRPr>
           </a:p>
           <a:p>
             <a:r>
-              <a:rPr lang="en-US" sz="4000" dirty="0" smtClean="0">
-                <a:latin typeface="Arial" panose="020B0604020202020204" pitchFamily="34" charset="0"/>
-                <a:cs typeface="Arial" panose="020B0604020202020204" pitchFamily="34" charset="0"/>
-              </a:rPr>
-              <a:t>[1] </a:t>
-            </a:r>
-            <a:r>
               <a:rPr lang="en-US" sz="4000" dirty="0">
                 <a:latin typeface="Arial" panose="020B0604020202020204" pitchFamily="34" charset="0"/>
                 <a:cs typeface="Arial" panose="020B0604020202020204" pitchFamily="34" charset="0"/>
               </a:rPr>
-              <a:t>Aloysius, Dewayne Rocky. "</a:t>
+              <a:t>[1] Aloysius, Dewayne Rocky. "</a:t>
             </a:r>
             <a:r>
               <a:rPr lang="en-US" sz="4000" dirty="0" err="1">
@@ -3808,18 +3712,11 @@
           </a:p>
           <a:p>
             <a:r>
-              <a:rPr lang="en-US" sz="4000" dirty="0" smtClean="0">
-                <a:latin typeface="Arial" panose="020B0604020202020204" pitchFamily="34" charset="0"/>
-                <a:cs typeface="Arial" panose="020B0604020202020204" pitchFamily="34" charset="0"/>
-              </a:rPr>
-              <a:t>[2</a:t>
-            </a:r>
-            <a:r>
               <a:rPr lang="en-US" sz="4000" dirty="0">
                 <a:latin typeface="Arial" panose="020B0604020202020204" pitchFamily="34" charset="0"/>
                 <a:cs typeface="Arial" panose="020B0604020202020204" pitchFamily="34" charset="0"/>
               </a:rPr>
-              <a:t>] </a:t>
+              <a:t>[2] </a:t>
             </a:r>
             <a:r>
               <a:rPr lang="en-US" sz="4000" dirty="0" err="1">
@@ -3833,14 +3730,7 @@
                 <a:latin typeface="Arial" panose="020B0604020202020204" pitchFamily="34" charset="0"/>
                 <a:cs typeface="Arial" panose="020B0604020202020204" pitchFamily="34" charset="0"/>
               </a:rPr>
-              <a:t>, Daniel. "New Methods to Color the Vertices of." (1979</a:t>
-            </a:r>
-            <a:r>
-              <a:rPr lang="en-US" sz="4000" dirty="0" smtClean="0">
-                <a:latin typeface="Arial" panose="020B0604020202020204" pitchFamily="34" charset="0"/>
-                <a:cs typeface="Arial" panose="020B0604020202020204" pitchFamily="34" charset="0"/>
-              </a:rPr>
-              <a:t>).</a:t>
+              <a:t>, Daniel. "New Methods to Color the Vertices of." (1979).</a:t>
             </a:r>
             <a:endParaRPr lang="bg-BG" sz="4000" dirty="0">
               <a:latin typeface="Arial" panose="020B0604020202020204" pitchFamily="34" charset="0"/>
@@ -3872,7 +3762,7 @@
           <a:lstStyle/>
           <a:p>
             <a:r>
-              <a:rPr lang="en-US" b="1" dirty="0" smtClean="0">
+              <a:rPr lang="en-US" b="1" dirty="0">
                 <a:latin typeface="Times New Roman" panose="02020603050405020304" pitchFamily="18" charset="0"/>
                 <a:cs typeface="Times New Roman" panose="02020603050405020304" pitchFamily="18" charset="0"/>
               </a:rPr>
@@ -3880,36 +3770,22 @@
             </a:r>
           </a:p>
           <a:p>
-            <a:endParaRPr lang="en-US" sz="2000" b="1" dirty="0" smtClean="0">
+            <a:endParaRPr lang="en-US" sz="2000" b="1" dirty="0">
               <a:latin typeface="Times New Roman" panose="02020603050405020304" pitchFamily="18" charset="0"/>
               <a:cs typeface="Times New Roman" panose="02020603050405020304" pitchFamily="18" charset="0"/>
             </a:endParaRPr>
           </a:p>
           <a:p>
             <a:r>
-              <a:rPr lang="en-US" sz="4000" dirty="0" smtClean="0">
-                <a:latin typeface="Arial" panose="020B0604020202020204" pitchFamily="34" charset="0"/>
-                <a:cs typeface="Arial" panose="020B0604020202020204" pitchFamily="34" charset="0"/>
-              </a:rPr>
-              <a:t>We </a:t>
-            </a:r>
-            <a:r>
               <a:rPr lang="en-US" sz="4000" dirty="0">
                 <a:latin typeface="Arial" panose="020B0604020202020204" pitchFamily="34" charset="0"/>
                 <a:cs typeface="Arial" panose="020B0604020202020204" pitchFamily="34" charset="0"/>
               </a:rPr>
-              <a:t>have developed an application tested on the VEGA supercomputer. It successfully computes the chromatic number for all instances in our dataset, demonstrating its correctness within the tested scope. While this provides strong empirical evidence of its reliability, further evaluation is needed to confirm its accuracy on arbitrary graphs. The results highlight the effectiveness of our branch-and-bound approach in a high-performance computing environment</a:t>
-            </a:r>
-            <a:r>
-              <a:rPr lang="en-US" sz="4000" dirty="0" smtClean="0">
-                <a:latin typeface="Arial" panose="020B0604020202020204" pitchFamily="34" charset="0"/>
-                <a:cs typeface="Arial" panose="020B0604020202020204" pitchFamily="34" charset="0"/>
-              </a:rPr>
-              <a:t>.</a:t>
-            </a:r>
-          </a:p>
-          <a:p>
-            <a:endParaRPr lang="en-US" sz="4000" dirty="0" smtClean="0">
+              <a:t>We have developed an application tested on the VEGA supercomputer. It successfully computes the chromatic number for all instances in our dataset, demonstrating its correctness within the tested scope. While this provides strong empirical evidence of its reliability, further evaluation is needed to confirm its accuracy on arbitrary graphs. The results highlight the effectiveness of our branch-and-bound approach in a high-performance computing environment.</a:t>
+            </a:r>
+          </a:p>
+          <a:p>
+            <a:endParaRPr lang="en-US" sz="4000" dirty="0">
               <a:latin typeface="Arial" panose="020B0604020202020204" pitchFamily="34" charset="0"/>
               <a:cs typeface="Arial" panose="020B0604020202020204" pitchFamily="34" charset="0"/>
             </a:endParaRPr>
@@ -4019,14 +3895,14 @@
           <p:nvPr>
             <p:extLst>
               <p:ext uri="{D42A27DB-BD31-4B8C-83A1-F6EECF244321}">
-                <p14:modId xmlns:p14="http://schemas.microsoft.com/office/powerpoint/2010/main" val="4230180746"/>
+                <p14:modId xmlns:p14="http://schemas.microsoft.com/office/powerpoint/2010/main" val="4055792337"/>
               </p:ext>
             </p:extLst>
           </p:nvPr>
         </p:nvGraphicFramePr>
         <p:xfrm>
-          <a:off x="14055193" y="18879214"/>
-          <a:ext cx="11875032" cy="5377434"/>
+          <a:off x="14055193" y="19156758"/>
+          <a:ext cx="11875032" cy="4706239"/>
         </p:xfrm>
         <a:graphic>
           <a:graphicData uri="http://schemas.openxmlformats.org/drawingml/2006/table">
@@ -4071,11 +3947,11 @@
                     <a:lstStyle/>
                     <a:p>
                       <a:r>
-                        <a:rPr lang="en-US" dirty="0" smtClean="0"/>
+                        <a:rPr lang="en-US" dirty="0"/>
                         <a:t>Vertex </a:t>
                       </a:r>
                       <a:r>
-                        <a:rPr lang="en-US" dirty="0" err="1" smtClean="0"/>
+                        <a:rPr lang="en-US" dirty="0" err="1"/>
                         <a:t>cnt</a:t>
                       </a:r>
                       <a:endParaRPr lang="bg-BG" dirty="0"/>
@@ -4089,11 +3965,11 @@
                     <a:lstStyle/>
                     <a:p>
                       <a:r>
-                        <a:rPr lang="en-US" dirty="0" smtClean="0"/>
+                        <a:rPr lang="en-US" dirty="0"/>
                         <a:t>Edge </a:t>
                       </a:r>
                       <a:r>
-                        <a:rPr lang="en-US" dirty="0" err="1" smtClean="0"/>
+                        <a:rPr lang="en-US" dirty="0" err="1"/>
                         <a:t>cnt</a:t>
                       </a:r>
                       <a:endParaRPr lang="bg-BG" dirty="0"/>
@@ -4107,11 +3983,11 @@
                     <a:lstStyle/>
                     <a:p>
                       <a:r>
-                        <a:rPr lang="el-GR" dirty="0" smtClean="0"/>
+                        <a:rPr lang="el-GR" dirty="0"/>
                         <a:t>χ</a:t>
                       </a:r>
                       <a:r>
-                        <a:rPr lang="en-US" dirty="0" smtClean="0"/>
+                        <a:rPr lang="en-US" dirty="0"/>
                         <a:t>(G)</a:t>
                       </a:r>
                       <a:endParaRPr lang="bg-BG" dirty="0"/>
@@ -4125,8 +4001,16 @@
                     <a:lstStyle/>
                     <a:p>
                       <a:r>
-                        <a:rPr lang="en-US" dirty="0" smtClean="0"/>
-                        <a:t>t</a:t>
+                        <a:rPr lang="en-US" dirty="0"/>
+                        <a:t>T (</a:t>
+                      </a:r>
+                      <a:r>
+                        <a:rPr lang="en-US" dirty="0" err="1"/>
+                        <a:t>ms</a:t>
+                      </a:r>
+                      <a:r>
+                        <a:rPr lang="en-US" dirty="0"/>
+                        <a:t>)</a:t>
                       </a:r>
                       <a:endParaRPr lang="bg-BG" dirty="0"/>
                     </a:p>
@@ -4146,10 +4030,9 @@
                     <a:lstStyle/>
                     <a:p>
                       <a:r>
-                        <a:rPr lang="bg-BG" dirty="0" smtClean="0"/>
+                        <a:rPr lang="bg-BG" sz="4400" dirty="0"/>
                         <a:t>80</a:t>
                       </a:r>
-                      <a:endParaRPr lang="bg-BG" dirty="0"/>
                     </a:p>
                   </a:txBody>
                   <a:tcPr/>
@@ -4160,10 +4043,10 @@
                     <a:lstStyle/>
                     <a:p>
                       <a:r>
-                        <a:rPr lang="en-US" dirty="0" smtClean="0"/>
+                        <a:rPr lang="en-US" sz="4400" dirty="0"/>
                         <a:t>508</a:t>
                       </a:r>
-                      <a:endParaRPr lang="bg-BG" dirty="0"/>
+                      <a:endParaRPr lang="bg-BG" sz="4400" dirty="0"/>
                     </a:p>
                   </a:txBody>
                   <a:tcPr/>
@@ -4174,10 +4057,10 @@
                     <a:lstStyle/>
                     <a:p>
                       <a:r>
-                        <a:rPr lang="en-US" dirty="0" smtClean="0"/>
+                        <a:rPr lang="en-US" sz="4400" dirty="0"/>
                         <a:t>10</a:t>
                       </a:r>
-                      <a:endParaRPr lang="bg-BG" dirty="0"/>
+                      <a:endParaRPr lang="bg-BG" sz="4400" dirty="0"/>
                     </a:p>
                   </a:txBody>
                   <a:tcPr/>
@@ -4187,7 +4070,10 @@
                     <a:bodyPr/>
                     <a:lstStyle/>
                     <a:p>
-                      <a:endParaRPr lang="bg-BG" dirty="0"/>
+                      <a:r>
+                        <a:rPr lang="bg-BG" sz="4400" dirty="0"/>
+                        <a:t>700029</a:t>
+                      </a:r>
                     </a:p>
                   </a:txBody>
                   <a:tcPr/>
@@ -4205,10 +4091,10 @@
                     <a:lstStyle/>
                     <a:p>
                       <a:r>
-                        <a:rPr lang="en-US" dirty="0" smtClean="0"/>
+                        <a:rPr lang="en-US" sz="4400" dirty="0"/>
                         <a:t>36</a:t>
                       </a:r>
-                      <a:endParaRPr lang="bg-BG" dirty="0"/>
+                      <a:endParaRPr lang="bg-BG" sz="4400" dirty="0"/>
                     </a:p>
                   </a:txBody>
                   <a:tcPr/>
@@ -4219,10 +4105,10 @@
                     <a:lstStyle/>
                     <a:p>
                       <a:r>
-                        <a:rPr lang="en-US" dirty="0" smtClean="0"/>
+                        <a:rPr lang="en-US" sz="4400" dirty="0"/>
                         <a:t>580</a:t>
                       </a:r>
-                      <a:endParaRPr lang="bg-BG" dirty="0"/>
+                      <a:endParaRPr lang="bg-BG" sz="4400" dirty="0"/>
                     </a:p>
                   </a:txBody>
                   <a:tcPr/>
@@ -4233,10 +4119,10 @@
                     <a:lstStyle/>
                     <a:p>
                       <a:r>
-                        <a:rPr lang="en-US" dirty="0" smtClean="0"/>
+                        <a:rPr lang="en-US" sz="4400" dirty="0"/>
                         <a:t>8</a:t>
                       </a:r>
-                      <a:endParaRPr lang="bg-BG" dirty="0"/>
+                      <a:endParaRPr lang="bg-BG" sz="4400" dirty="0"/>
                     </a:p>
                   </a:txBody>
                   <a:tcPr/>
@@ -4246,7 +4132,11 @@
                     <a:bodyPr/>
                     <a:lstStyle/>
                     <a:p>
-                      <a:endParaRPr lang="bg-BG" dirty="0"/>
+                      <a:r>
+                        <a:rPr lang="bg-BG" sz="4400"/>
+                        <a:t>700030</a:t>
+                      </a:r>
+                      <a:endParaRPr lang="bg-BG" sz="4400" dirty="0"/>
                     </a:p>
                   </a:txBody>
                   <a:tcPr/>
@@ -4264,10 +4154,10 @@
                     <a:lstStyle/>
                     <a:p>
                       <a:r>
-                        <a:rPr lang="en-US" dirty="0" smtClean="0"/>
+                        <a:rPr lang="en-US" sz="4400" dirty="0"/>
                         <a:t>74</a:t>
                       </a:r>
-                      <a:endParaRPr lang="bg-BG" dirty="0"/>
+                      <a:endParaRPr lang="bg-BG" sz="4400" dirty="0"/>
                     </a:p>
                   </a:txBody>
                   <a:tcPr/>
@@ -4278,10 +4168,10 @@
                     <a:lstStyle/>
                     <a:p>
                       <a:r>
-                        <a:rPr lang="en-US" dirty="0" smtClean="0"/>
+                        <a:rPr lang="en-US" sz="4400" dirty="0"/>
                         <a:t>602</a:t>
                       </a:r>
-                      <a:endParaRPr lang="bg-BG" dirty="0"/>
+                      <a:endParaRPr lang="bg-BG" sz="4400" dirty="0"/>
                     </a:p>
                   </a:txBody>
                   <a:tcPr/>
@@ -4292,10 +4182,10 @@
                     <a:lstStyle/>
                     <a:p>
                       <a:r>
-                        <a:rPr lang="en-US" dirty="0" smtClean="0"/>
+                        <a:rPr lang="en-US" sz="4400" dirty="0"/>
                         <a:t>11</a:t>
                       </a:r>
-                      <a:endParaRPr lang="bg-BG" dirty="0"/>
+                      <a:endParaRPr lang="bg-BG" sz="4400" dirty="0"/>
                     </a:p>
                   </a:txBody>
                   <a:tcPr/>
@@ -4305,7 +4195,10 @@
                     <a:bodyPr/>
                     <a:lstStyle/>
                     <a:p>
-                      <a:endParaRPr lang="bg-BG" dirty="0"/>
+                      <a:r>
+                        <a:rPr lang="bg-BG" sz="4400" dirty="0"/>
+                        <a:t>700027</a:t>
+                      </a:r>
                     </a:p>
                   </a:txBody>
                   <a:tcPr/>
@@ -4323,10 +4216,9 @@
                     <a:lstStyle/>
                     <a:p>
                       <a:r>
-                        <a:rPr lang="bg-BG" dirty="0" smtClean="0"/>
+                        <a:rPr lang="bg-BG" sz="4400" dirty="0"/>
                         <a:t>87</a:t>
                       </a:r>
-                      <a:endParaRPr lang="bg-BG" dirty="0"/>
                     </a:p>
                   </a:txBody>
                   <a:tcPr/>
@@ -4337,10 +4229,9 @@
                     <a:lstStyle/>
                     <a:p>
                       <a:r>
-                        <a:rPr lang="bg-BG" dirty="0" smtClean="0"/>
+                        <a:rPr lang="bg-BG" sz="4400" dirty="0"/>
                         <a:t>812</a:t>
                       </a:r>
-                      <a:endParaRPr lang="bg-BG" dirty="0"/>
                     </a:p>
                   </a:txBody>
                   <a:tcPr/>
@@ -4351,10 +4242,10 @@
                     <a:lstStyle/>
                     <a:p>
                       <a:r>
-                        <a:rPr lang="en-US" dirty="0" smtClean="0"/>
+                        <a:rPr lang="en-US" sz="4400" dirty="0"/>
                         <a:t>11</a:t>
                       </a:r>
-                      <a:endParaRPr lang="bg-BG" dirty="0"/>
+                      <a:endParaRPr lang="bg-BG" sz="4400" dirty="0"/>
                     </a:p>
                   </a:txBody>
                   <a:tcPr/>
@@ -4364,7 +4255,11 @@
                     <a:bodyPr/>
                     <a:lstStyle/>
                     <a:p>
-                      <a:endParaRPr lang="bg-BG" dirty="0"/>
+                      <a:r>
+                        <a:rPr lang="de-DE" sz="4400" dirty="0"/>
+                        <a:t>41</a:t>
+                      </a:r>
+                      <a:endParaRPr lang="bg-BG" sz="4400" dirty="0"/>
                     </a:p>
                   </a:txBody>
                   <a:tcPr/>
@@ -4382,10 +4277,9 @@
                     <a:lstStyle/>
                     <a:p>
                       <a:r>
-                        <a:rPr lang="bg-BG" dirty="0" smtClean="0"/>
+                        <a:rPr lang="bg-BG" sz="4400" dirty="0"/>
                         <a:t>128</a:t>
                       </a:r>
-                      <a:endParaRPr lang="bg-BG" dirty="0"/>
                     </a:p>
                   </a:txBody>
                   <a:tcPr/>
@@ -4413,7 +4307,7 @@
                         <a:defRPr/>
                       </a:pPr>
                       <a:r>
-                        <a:rPr lang="bg-BG" dirty="0" smtClean="0"/>
+                        <a:rPr lang="bg-BG" sz="4400" dirty="0"/>
                         <a:t>774</a:t>
                       </a:r>
                     </a:p>
@@ -4426,10 +4320,10 @@
                     <a:lstStyle/>
                     <a:p>
                       <a:r>
-                        <a:rPr lang="en-US" dirty="0" smtClean="0"/>
+                        <a:rPr lang="en-US" sz="4400" dirty="0"/>
                         <a:t>8</a:t>
                       </a:r>
-                      <a:endParaRPr lang="bg-BG" dirty="0"/>
+                      <a:endParaRPr lang="bg-BG" sz="4400" dirty="0"/>
                     </a:p>
                   </a:txBody>
                   <a:tcPr/>
@@ -4439,7 +4333,11 @@
                     <a:bodyPr/>
                     <a:lstStyle/>
                     <a:p>
-                      <a:endParaRPr lang="bg-BG" dirty="0"/>
+                      <a:r>
+                        <a:rPr lang="de-DE" sz="4400" dirty="0"/>
+                        <a:t>5</a:t>
+                      </a:r>
+                      <a:endParaRPr lang="bg-BG" sz="4400" dirty="0"/>
                     </a:p>
                   </a:txBody>
                   <a:tcPr/>
@@ -4494,13 +4392,6 @@
   <p:clrMapOvr>
     <a:masterClrMapping/>
   </p:clrMapOvr>
-  <p:timing>
-    <p:tnLst>
-      <p:par>
-        <p:cTn id="1" dur="indefinite" restart="never" nodeType="tmRoot"/>
-      </p:par>
-    </p:tnLst>
-  </p:timing>
 </p:sld>
 </file>
 
